--- a/JX_Market/trunk/Tesis 03_09_2012.pptx
+++ b/JX_Market/trunk/Tesis 03_09_2012.pptx
@@ -5,7 +5,7 @@
     <p:sldMasterId id="2147483672" r:id="rId1"/>
   </p:sldMasterIdLst>
   <p:notesMasterIdLst>
-    <p:notesMasterId r:id="rId47"/>
+    <p:notesMasterId r:id="rId49"/>
   </p:notesMasterIdLst>
   <p:sldIdLst>
     <p:sldId id="305" r:id="rId2"/>
@@ -48,11 +48,13 @@
     <p:sldId id="333" r:id="rId39"/>
     <p:sldId id="334" r:id="rId40"/>
     <p:sldId id="335" r:id="rId41"/>
-    <p:sldId id="340" r:id="rId42"/>
-    <p:sldId id="336" r:id="rId43"/>
-    <p:sldId id="337" r:id="rId44"/>
-    <p:sldId id="338" r:id="rId45"/>
-    <p:sldId id="339" r:id="rId46"/>
+    <p:sldId id="344" r:id="rId42"/>
+    <p:sldId id="345" r:id="rId43"/>
+    <p:sldId id="340" r:id="rId44"/>
+    <p:sldId id="336" r:id="rId45"/>
+    <p:sldId id="337" r:id="rId46"/>
+    <p:sldId id="338" r:id="rId47"/>
+    <p:sldId id="339" r:id="rId48"/>
   </p:sldIdLst>
   <p:sldSz cx="9144000" cy="6858000" type="screen4x3"/>
   <p:notesSz cx="6858000" cy="9144000"/>
@@ -237,7 +239,7 @@
             <a:fld id="{AE027F6F-CE49-436F-A4FD-2173806D0249}" type="datetimeFigureOut">
               <a:rPr lang="es-PE" smtClean="0"/>
               <a:pPr/>
-              <a:t>02/09/2012</a:t>
+              <a:t>03/09/2012</a:t>
             </a:fld>
             <a:endParaRPr lang="es-PE"/>
           </a:p>
@@ -3270,7 +3272,7 @@
           <a:bodyPr/>
           <a:lstStyle/>
           <a:p>
-            <a:endParaRPr lang="es-PE"/>
+            <a:endParaRPr lang="es-PE" dirty="0"/>
           </a:p>
         </p:txBody>
       </p:sp>
@@ -3462,7 +3464,7 @@
             <a:fld id="{D24FCFE2-09EE-4E0A-A58F-A6440DDB9DDC}" type="slidenum">
               <a:rPr lang="es-PE" smtClean="0"/>
               <a:pPr/>
-              <a:t>41</a:t>
+              <a:t>43</a:t>
             </a:fld>
             <a:endParaRPr lang="es-PE"/>
           </a:p>
@@ -3547,7 +3549,7 @@
             <a:fld id="{D24FCFE2-09EE-4E0A-A58F-A6440DDB9DDC}" type="slidenum">
               <a:rPr lang="es-PE" smtClean="0"/>
               <a:pPr/>
-              <a:t>42</a:t>
+              <a:t>44</a:t>
             </a:fld>
             <a:endParaRPr lang="es-PE"/>
           </a:p>
@@ -3632,7 +3634,7 @@
             <a:fld id="{D24FCFE2-09EE-4E0A-A58F-A6440DDB9DDC}" type="slidenum">
               <a:rPr lang="es-PE" smtClean="0"/>
               <a:pPr/>
-              <a:t>43</a:t>
+              <a:t>45</a:t>
             </a:fld>
             <a:endParaRPr lang="es-PE"/>
           </a:p>
@@ -3717,7 +3719,7 @@
             <a:fld id="{D24FCFE2-09EE-4E0A-A58F-A6440DDB9DDC}" type="slidenum">
               <a:rPr lang="es-PE" smtClean="0"/>
               <a:pPr/>
-              <a:t>44</a:t>
+              <a:t>46</a:t>
             </a:fld>
             <a:endParaRPr lang="es-PE"/>
           </a:p>
@@ -3802,7 +3804,7 @@
             <a:fld id="{D24FCFE2-09EE-4E0A-A58F-A6440DDB9DDC}" type="slidenum">
               <a:rPr lang="es-PE" smtClean="0"/>
               <a:pPr/>
-              <a:t>45</a:t>
+              <a:t>47</a:t>
             </a:fld>
             <a:endParaRPr lang="es-PE"/>
           </a:p>
@@ -4631,7 +4633,7 @@
             <a:fld id="{3109962A-E1FA-4838-B31A-E45F7BBF3877}" type="datetimeFigureOut">
               <a:rPr lang="es-PE" smtClean="0"/>
               <a:pPr/>
-              <a:t>02/09/2012</a:t>
+              <a:t>03/09/2012</a:t>
             </a:fld>
             <a:endParaRPr lang="es-PE"/>
           </a:p>
@@ -4798,7 +4800,7 @@
             <a:fld id="{3109962A-E1FA-4838-B31A-E45F7BBF3877}" type="datetimeFigureOut">
               <a:rPr lang="es-PE" smtClean="0"/>
               <a:pPr/>
-              <a:t>02/09/2012</a:t>
+              <a:t>03/09/2012</a:t>
             </a:fld>
             <a:endParaRPr lang="es-PE"/>
           </a:p>
@@ -4975,7 +4977,7 @@
             <a:fld id="{3109962A-E1FA-4838-B31A-E45F7BBF3877}" type="datetimeFigureOut">
               <a:rPr lang="es-PE" smtClean="0"/>
               <a:pPr/>
-              <a:t>02/09/2012</a:t>
+              <a:t>03/09/2012</a:t>
             </a:fld>
             <a:endParaRPr lang="es-PE"/>
           </a:p>
@@ -5146,7 +5148,7 @@
             <a:fld id="{3109962A-E1FA-4838-B31A-E45F7BBF3877}" type="datetimeFigureOut">
               <a:rPr lang="es-PE" smtClean="0"/>
               <a:pPr/>
-              <a:t>02/09/2012</a:t>
+              <a:t>03/09/2012</a:t>
             </a:fld>
             <a:endParaRPr lang="es-PE"/>
           </a:p>
@@ -5603,7 +5605,7 @@
             <a:fld id="{3109962A-E1FA-4838-B31A-E45F7BBF3877}" type="datetimeFigureOut">
               <a:rPr lang="es-PE" smtClean="0"/>
               <a:pPr/>
-              <a:t>02/09/2012</a:t>
+              <a:t>03/09/2012</a:t>
             </a:fld>
             <a:endParaRPr lang="es-PE"/>
           </a:p>
@@ -5869,7 +5871,7 @@
             <a:fld id="{3109962A-E1FA-4838-B31A-E45F7BBF3877}" type="datetimeFigureOut">
               <a:rPr lang="es-PE" smtClean="0"/>
               <a:pPr/>
-              <a:t>02/09/2012</a:t>
+              <a:t>03/09/2012</a:t>
             </a:fld>
             <a:endParaRPr lang="es-PE"/>
           </a:p>
@@ -6245,7 +6247,7 @@
             <a:fld id="{3109962A-E1FA-4838-B31A-E45F7BBF3877}" type="datetimeFigureOut">
               <a:rPr lang="es-PE" smtClean="0"/>
               <a:pPr/>
-              <a:t>02/09/2012</a:t>
+              <a:t>03/09/2012</a:t>
             </a:fld>
             <a:endParaRPr lang="es-PE"/>
           </a:p>
@@ -6369,7 +6371,7 @@
             <a:fld id="{3109962A-E1FA-4838-B31A-E45F7BBF3877}" type="datetimeFigureOut">
               <a:rPr lang="es-PE" smtClean="0"/>
               <a:pPr/>
-              <a:t>02/09/2012</a:t>
+              <a:t>03/09/2012</a:t>
             </a:fld>
             <a:endParaRPr lang="es-PE"/>
           </a:p>
@@ -6461,7 +6463,7 @@
             <a:fld id="{3109962A-E1FA-4838-B31A-E45F7BBF3877}" type="datetimeFigureOut">
               <a:rPr lang="es-PE" smtClean="0"/>
               <a:pPr/>
-              <a:t>02/09/2012</a:t>
+              <a:t>03/09/2012</a:t>
             </a:fld>
             <a:endParaRPr lang="es-PE"/>
           </a:p>
@@ -6712,7 +6714,7 @@
             <a:fld id="{3109962A-E1FA-4838-B31A-E45F7BBF3877}" type="datetimeFigureOut">
               <a:rPr lang="es-PE" smtClean="0"/>
               <a:pPr/>
-              <a:t>02/09/2012</a:t>
+              <a:t>03/09/2012</a:t>
             </a:fld>
             <a:endParaRPr lang="es-PE"/>
           </a:p>
@@ -6973,7 +6975,7 @@
             <a:fld id="{3109962A-E1FA-4838-B31A-E45F7BBF3877}" type="datetimeFigureOut">
               <a:rPr lang="es-PE" smtClean="0"/>
               <a:pPr/>
-              <a:t>02/09/2012</a:t>
+              <a:t>03/09/2012</a:t>
             </a:fld>
             <a:endParaRPr lang="es-PE"/>
           </a:p>
@@ -7379,7 +7381,7 @@
             <a:fld id="{3109962A-E1FA-4838-B31A-E45F7BBF3877}" type="datetimeFigureOut">
               <a:rPr lang="es-PE" smtClean="0"/>
               <a:pPr/>
-              <a:t>02/09/2012</a:t>
+              <a:t>03/09/2012</a:t>
             </a:fld>
             <a:endParaRPr lang="es-PE"/>
           </a:p>
@@ -8336,6 +8338,13 @@
   <p:clrMapOvr>
     <a:masterClrMapping/>
   </p:clrMapOvr>
+  <p:timing>
+    <p:tnLst>
+      <p:par>
+        <p:cTn id="1" dur="indefinite" restart="never" nodeType="tmRoot"/>
+      </p:par>
+    </p:tnLst>
+  </p:timing>
 </p:sld>
 </file>
 
@@ -10859,6 +10868,13 @@
   <p:clrMapOvr>
     <a:masterClrMapping/>
   </p:clrMapOvr>
+  <p:timing>
+    <p:tnLst>
+      <p:par>
+        <p:cTn id="1" dur="indefinite" restart="never" nodeType="tmRoot"/>
+      </p:par>
+    </p:tnLst>
+  </p:timing>
 </p:sld>
 </file>
 
@@ -13486,12 +13502,12 @@
                         </a:spcAft>
                       </a:pPr>
                       <a:r>
-                        <a:rPr lang="es-ES" sz="900" kern="50">
+                        <a:rPr lang="es-ES" sz="900" kern="50" dirty="0">
                           <a:effectLst/>
                         </a:rPr>
                         <a:t>1</a:t>
                       </a:r>
-                      <a:endParaRPr lang="es-PE" sz="1000" kern="50">
+                      <a:endParaRPr lang="es-PE" sz="1000" kern="50" dirty="0">
                         <a:effectLst/>
                         <a:latin typeface="Times New Roman"/>
                         <a:ea typeface="MS Mincho"/>
@@ -14947,15 +14963,7 @@
             </a:r>
             <a:r>
               <a:rPr lang="es-ES" sz="2800" dirty="0" smtClean="0"/>
-              <a:t>La subgerencia de educación no cuenta con una aplicación </a:t>
-            </a:r>
-            <a:r>
-              <a:rPr lang="es-ES" sz="2800" dirty="0" smtClean="0"/>
-              <a:t>para el desarrollo de los </a:t>
-            </a:r>
-            <a:r>
-              <a:rPr lang="es-ES" sz="2800" dirty="0" smtClean="0"/>
-              <a:t>proyectos, es por esto que el objetivo general de este trabajo es: </a:t>
+              <a:t>La subgerencia de educación no cuenta con una aplicación para el desarrollo de los proyectos, es por esto que el objetivo general de este trabajo es: </a:t>
             </a:r>
           </a:p>
           <a:p>
@@ -15010,13 +15018,13 @@
       </p:grpSpPr>
       <p:pic>
         <p:nvPicPr>
-          <p:cNvPr id="9219" name="Picture 3"/>
+          <p:cNvPr id="1026" name="Picture 2"/>
           <p:cNvPicPr>
             <a:picLocks noChangeAspect="1" noChangeArrowheads="1"/>
           </p:cNvPicPr>
           <p:nvPr/>
         </p:nvPicPr>
-        <p:blipFill rotWithShape="1">
+        <p:blipFill>
           <a:blip r:embed="rId3">
             <a:extLst>
               <a:ext uri="{28A0092B-C50C-407E-A947-70E740481C1C}">
@@ -15024,13 +15032,15 @@
               </a:ext>
             </a:extLst>
           </a:blip>
-          <a:srcRect l="25859" t="25263" r="27031" b="7105"/>
-          <a:stretch/>
+          <a:srcRect/>
+          <a:stretch>
+            <a:fillRect/>
+          </a:stretch>
         </p:blipFill>
         <p:spPr bwMode="auto">
           <a:xfrm>
-            <a:off x="0" y="0"/>
-            <a:ext cx="9139411" cy="6857999"/>
+            <a:off x="3820" y="0"/>
+            <a:ext cx="9140180" cy="6849987"/>
           </a:xfrm>
           <a:prstGeom prst="rect">
             <a:avLst/>
@@ -15247,7 +15257,7 @@
         <p:spPr/>
         <p:txBody>
           <a:bodyPr>
-            <a:normAutofit fontScale="90000"/>
+            <a:normAutofit/>
           </a:bodyPr>
           <a:lstStyle/>
           <a:p>
@@ -15262,15 +15272,16 @@
                   <a:schemeClr val="tx1"/>
                 </a:solidFill>
               </a:rPr>
-              <a:t>Módulo de gestión de Archivos y Documentos</a:t>
-            </a:r>
-            <a:br>
+              <a:t>Módulo de gestión de Archivos y </a:t>
+            </a:r>
+            <a:r>
               <a:rPr lang="es-PE" sz="2800" b="1" dirty="0" smtClean="0">
                 <a:solidFill>
                   <a:schemeClr val="tx1"/>
                 </a:solidFill>
               </a:rPr>
-            </a:br>
+              <a:t>Documentos</a:t>
+            </a:r>
             <a:endParaRPr lang="es-PE" dirty="0">
               <a:solidFill>
                 <a:schemeClr val="tx1"/>
@@ -15292,7 +15303,7 @@
         <p:spPr>
           <a:xfrm>
             <a:off x="539552" y="1124744"/>
-            <a:ext cx="7467600" cy="4525963"/>
+            <a:ext cx="7632848" cy="4608512"/>
           </a:xfrm>
         </p:spPr>
         <p:txBody>
@@ -15308,90 +15319,95 @@
           </a:p>
           <a:p>
             <a:r>
-              <a:rPr lang="es-ES" sz="2000" dirty="0"/>
+              <a:rPr lang="es-ES" sz="2500" dirty="0"/>
               <a:t>Crear jerarquía de </a:t>
             </a:r>
             <a:r>
-              <a:rPr lang="es-ES" sz="2000" dirty="0" smtClean="0"/>
+              <a:rPr lang="es-ES" sz="2500" dirty="0" smtClean="0"/>
               <a:t>archivos</a:t>
             </a:r>
           </a:p>
           <a:p>
-            <a:endParaRPr lang="es-PE" sz="2000" dirty="0"/>
-          </a:p>
-          <a:p>
-            <a:r>
-              <a:rPr lang="es-ES" sz="2000" dirty="0"/>
-              <a:t>Editar jerarquía de </a:t>
-            </a:r>
-            <a:r>
-              <a:rPr lang="es-ES" sz="2000" dirty="0" smtClean="0"/>
+            <a:r>
+              <a:rPr lang="es-ES" sz="2500" dirty="0" smtClean="0"/>
+              <a:t>Editar </a:t>
+            </a:r>
+            <a:r>
+              <a:rPr lang="es-ES" sz="2500" dirty="0"/>
+              <a:t>jerarquía de </a:t>
+            </a:r>
+            <a:r>
+              <a:rPr lang="es-ES" sz="2500" dirty="0" smtClean="0"/>
               <a:t>archivos</a:t>
             </a:r>
           </a:p>
           <a:p>
-            <a:endParaRPr lang="es-PE" sz="2000" dirty="0"/>
-          </a:p>
-          <a:p>
-            <a:r>
-              <a:rPr lang="es-ES" sz="2000" dirty="0"/>
-              <a:t>Modificar jerarquía de </a:t>
-            </a:r>
-            <a:r>
-              <a:rPr lang="es-ES" sz="2000" dirty="0" smtClean="0"/>
+            <a:r>
+              <a:rPr lang="es-ES" sz="2500" dirty="0" smtClean="0"/>
+              <a:t>Modificar </a:t>
+            </a:r>
+            <a:r>
+              <a:rPr lang="es-ES" sz="2500" dirty="0"/>
+              <a:t>jerarquía de </a:t>
+            </a:r>
+            <a:r>
+              <a:rPr lang="es-ES" sz="2500" dirty="0" smtClean="0"/>
               <a:t>archivos</a:t>
             </a:r>
           </a:p>
           <a:p>
-            <a:endParaRPr lang="es-PE" sz="2000" dirty="0"/>
-          </a:p>
-          <a:p>
-            <a:r>
-              <a:rPr lang="es-ES" sz="2000" dirty="0"/>
-              <a:t>Eliminar jerarquía de </a:t>
-            </a:r>
-            <a:r>
-              <a:rPr lang="es-ES" sz="2000" dirty="0" smtClean="0"/>
+            <a:r>
+              <a:rPr lang="es-ES" sz="2500" dirty="0" smtClean="0"/>
+              <a:t>Eliminar </a:t>
+            </a:r>
+            <a:r>
+              <a:rPr lang="es-ES" sz="2500" dirty="0"/>
+              <a:t>jerarquía de </a:t>
+            </a:r>
+            <a:r>
+              <a:rPr lang="es-ES" sz="2500" dirty="0" smtClean="0"/>
               <a:t>archivos</a:t>
             </a:r>
           </a:p>
           <a:p>
-            <a:endParaRPr lang="es-PE" sz="2000" dirty="0"/>
-          </a:p>
-          <a:p>
-            <a:r>
-              <a:rPr lang="es-ES" sz="2000" dirty="0"/>
+            <a:r>
+              <a:rPr lang="es-ES" sz="2500" dirty="0" smtClean="0"/>
               <a:t>Subir </a:t>
             </a:r>
             <a:r>
-              <a:rPr lang="es-ES" sz="2000" dirty="0" smtClean="0"/>
+              <a:rPr lang="es-ES" sz="2500" dirty="0" smtClean="0"/>
               <a:t>archivos</a:t>
             </a:r>
           </a:p>
           <a:p>
-            <a:endParaRPr lang="es-PE" sz="2000" dirty="0"/>
-          </a:p>
-          <a:p>
-            <a:r>
-              <a:rPr lang="es-ES" sz="2000" dirty="0"/>
-              <a:t>Crear Solicitudes de </a:t>
-            </a:r>
-            <a:r>
-              <a:rPr lang="es-ES" sz="2000" dirty="0" smtClean="0"/>
+            <a:r>
+              <a:rPr lang="es-ES" sz="2500" dirty="0" smtClean="0"/>
+              <a:t>Crear </a:t>
+            </a:r>
+            <a:r>
+              <a:rPr lang="es-ES" sz="2500" dirty="0"/>
+              <a:t>Solicitudes de </a:t>
+            </a:r>
+            <a:r>
+              <a:rPr lang="es-ES" sz="2500" dirty="0" smtClean="0"/>
               <a:t>Expertos</a:t>
             </a:r>
           </a:p>
           <a:p>
-            <a:endParaRPr lang="es-PE" sz="2000" dirty="0"/>
-          </a:p>
-          <a:p>
-            <a:r>
-              <a:rPr lang="es-ES" sz="2000" dirty="0"/>
-              <a:t>Crear Documento de pago para expertos</a:t>
-            </a:r>
-            <a:endParaRPr lang="es-PE" sz="2000" dirty="0"/>
-          </a:p>
-          <a:p>
+            <a:r>
+              <a:rPr lang="es-ES" sz="2500" dirty="0" smtClean="0"/>
+              <a:t>Crear </a:t>
+            </a:r>
+            <a:r>
+              <a:rPr lang="es-ES" sz="2500" dirty="0"/>
+              <a:t>Documento de pago para expertos</a:t>
+            </a:r>
+            <a:endParaRPr lang="es-PE" sz="2500" dirty="0"/>
+          </a:p>
+          <a:p>
+            <a:pPr marL="36576" indent="0">
+              <a:buNone/>
+            </a:pPr>
             <a:endParaRPr lang="es-PE" sz="2000" dirty="0"/>
           </a:p>
         </p:txBody>
@@ -15485,26 +15501,17 @@
         <p:spPr>
           <a:xfrm>
             <a:off x="457200" y="1600200"/>
-            <a:ext cx="8363272" cy="4637112"/>
+            <a:ext cx="8075240" cy="4061048"/>
           </a:xfrm>
         </p:spPr>
         <p:txBody>
           <a:bodyPr>
-            <a:normAutofit fontScale="77500" lnSpcReduction="20000"/>
+            <a:normAutofit fontScale="85000" lnSpcReduction="20000"/>
           </a:bodyPr>
           <a:lstStyle/>
           <a:p>
-            <a:pPr marL="36576" indent="0">
-              <a:buNone/>
-            </a:pPr>
-            <a:r>
-              <a:rPr lang="es-PE" sz="3200" dirty="0"/>
-              <a:t> </a:t>
-            </a:r>
-          </a:p>
-          <a:p>
-            <a:r>
-              <a:rPr lang="es-ES" sz="3200" dirty="0"/>
+            <a:r>
+              <a:rPr lang="es-ES" sz="3200" dirty="0" smtClean="0"/>
               <a:t>Crear </a:t>
             </a:r>
             <a:r>
@@ -15588,22 +15595,12 @@
           </a:p>
           <a:p>
             <a:r>
+              <a:rPr lang="es-ES" sz="3200" dirty="0" smtClean="0"/>
+              <a:t>Aprobar </a:t>
+            </a:r>
+            <a:r>
               <a:rPr lang="es-ES" sz="3200" dirty="0"/>
-              <a:t>Crear tarjeta de tiempo para experto</a:t>
-            </a:r>
-            <a:endParaRPr lang="es-PE" sz="3600" dirty="0"/>
-          </a:p>
-          <a:p>
-            <a:r>
-              <a:rPr lang="es-ES" sz="3200" dirty="0"/>
-              <a:t>Aprobar tarjeta de tiempo</a:t>
-            </a:r>
-            <a:endParaRPr lang="es-PE" sz="3600" dirty="0"/>
-          </a:p>
-          <a:p>
-            <a:r>
-              <a:rPr lang="es-ES" sz="3200" dirty="0"/>
-              <a:t>Aprobar solicitudes de expertos</a:t>
+              <a:t>solicitudes de expertos</a:t>
             </a:r>
             <a:endParaRPr lang="es-PE" sz="3600" dirty="0"/>
           </a:p>
@@ -15622,6 +15619,13 @@
   <p:clrMapOvr>
     <a:masterClrMapping/>
   </p:clrMapOvr>
+  <p:timing>
+    <p:tnLst>
+      <p:par>
+        <p:cTn id="1" dur="indefinite" restart="never" nodeType="tmRoot"/>
+      </p:par>
+    </p:tnLst>
+  </p:timing>
 </p:sld>
 </file>
 
@@ -15698,16 +15702,50 @@
         <p:spPr/>
         <p:txBody>
           <a:bodyPr>
-            <a:normAutofit/>
+            <a:normAutofit lnSpcReduction="10000"/>
           </a:bodyPr>
           <a:lstStyle/>
           <a:p>
-            <a:endParaRPr lang="es-PE" sz="2800" dirty="0"/>
-          </a:p>
-          <a:p>
             <a:r>
               <a:rPr lang="es-ES" sz="2800" dirty="0"/>
-              <a:t>Crear agenda de experto.</a:t>
+              <a:t>Registrar </a:t>
+            </a:r>
+            <a:r>
+              <a:rPr lang="es-ES" sz="2800" dirty="0" smtClean="0"/>
+              <a:t>personal</a:t>
+            </a:r>
+            <a:endParaRPr lang="es-ES" sz="2800" dirty="0"/>
+          </a:p>
+          <a:p>
+            <a:r>
+              <a:rPr lang="es-ES" sz="2800" dirty="0"/>
+              <a:t>Editar </a:t>
+            </a:r>
+            <a:r>
+              <a:rPr lang="es-ES" sz="2800" dirty="0" smtClean="0"/>
+              <a:t>personal</a:t>
+            </a:r>
+            <a:endParaRPr lang="es-ES" sz="2800" dirty="0"/>
+          </a:p>
+          <a:p>
+            <a:r>
+              <a:rPr lang="es-ES" sz="2800" dirty="0"/>
+              <a:t>Eliminar </a:t>
+            </a:r>
+            <a:r>
+              <a:rPr lang="es-ES" sz="2800" dirty="0" smtClean="0"/>
+              <a:t>personal</a:t>
+            </a:r>
+            <a:endParaRPr lang="es-ES" sz="2800" dirty="0" smtClean="0"/>
+          </a:p>
+          <a:p>
+            <a:r>
+              <a:rPr lang="es-ES" sz="2800" dirty="0" smtClean="0"/>
+              <a:t>Crear </a:t>
+            </a:r>
+            <a:r>
+              <a:rPr lang="es-ES" sz="2800" dirty="0"/>
+              <a:t>agenda de experto.</a:t>
             </a:r>
             <a:endParaRPr lang="es-PE" sz="2800" dirty="0"/>
           </a:p>
@@ -15787,7 +15825,7 @@
         <p:spPr/>
         <p:txBody>
           <a:bodyPr>
-            <a:normAutofit fontScale="90000"/>
+            <a:normAutofit/>
           </a:bodyPr>
           <a:lstStyle/>
           <a:p>
@@ -15798,22 +15836,23 @@
                   <a:schemeClr val="tx1"/>
                 </a:solidFill>
               </a:rPr>
-              <a:t>Módulo de evaluación de impacto</a:t>
-            </a:r>
-            <a:br>
+              <a:t>Módulo de evaluación de </a:t>
+            </a:r>
+            <a:r>
               <a:rPr lang="es-PE" sz="2800" b="1" dirty="0" smtClean="0">
                 <a:solidFill>
                   <a:schemeClr val="tx1"/>
                 </a:solidFill>
               </a:rPr>
-            </a:br>
+              <a:t>impacto</a:t>
+            </a:r>
             <a:r>
               <a:rPr lang="es-PE" sz="3200" dirty="0" smtClean="0">
                 <a:solidFill>
                   <a:schemeClr val="tx1"/>
                 </a:solidFill>
               </a:rPr>
-              <a:t> </a:t>
+              <a:t/>
             </a:r>
             <a:br>
               <a:rPr lang="es-PE" sz="3200" dirty="0" smtClean="0">
@@ -15962,12 +16001,13 @@
           <a:bodyPr/>
           <a:lstStyle/>
           <a:p>
-            <a:endParaRPr lang="es-PE" sz="3200" dirty="0"/>
-          </a:p>
-          <a:p>
+            <a:r>
+              <a:rPr lang="es-ES" sz="3200" dirty="0" smtClean="0"/>
+              <a:t>Diagrama </a:t>
+            </a:r>
             <a:r>
               <a:rPr lang="es-ES" sz="3200" dirty="0"/>
-              <a:t>Diagrama de Gantt del proyecto</a:t>
+              <a:t>de Gantt del proyecto</a:t>
             </a:r>
             <a:endParaRPr lang="es-PE" sz="3600" dirty="0"/>
           </a:p>
@@ -16033,22 +16073,19 @@
         <p:spPr/>
         <p:txBody>
           <a:bodyPr>
-            <a:normAutofit fontScale="90000"/>
+            <a:noAutofit/>
           </a:bodyPr>
           <a:lstStyle/>
           <a:p>
             <a:r>
-              <a:rPr lang="es-ES" b="1" dirty="0"/>
-              <a:t>Estructura del desarrollo Ágil.</a:t>
-            </a:r>
-            <a:r>
-              <a:rPr lang="es-PE" dirty="0"/>
-              <a:t/>
-            </a:r>
-            <a:br>
-              <a:rPr lang="es-PE" dirty="0"/>
-            </a:br>
-            <a:endParaRPr lang="es-PE" dirty="0"/>
+              <a:rPr lang="es-ES" sz="3600" b="1" dirty="0"/>
+              <a:t>Estructura del desarrollo Ágil</a:t>
+            </a:r>
+            <a:r>
+              <a:rPr lang="es-ES" sz="3600" b="1" dirty="0" smtClean="0"/>
+              <a:t>.</a:t>
+            </a:r>
+            <a:endParaRPr lang="es-PE" sz="3600" dirty="0"/>
           </a:p>
         </p:txBody>
       </p:sp>
@@ -16567,32 +16604,25 @@
           <a:p>
             <a:pPr lvl="0"/>
             <a:r>
-              <a:rPr lang="es-PE" b="1" dirty="0"/>
+              <a:rPr lang="es-PE" sz="4000" b="1" dirty="0"/>
               <a:t>Patrón MVC(</a:t>
             </a:r>
             <a:r>
-              <a:rPr lang="es-PE" b="1" dirty="0" err="1"/>
+              <a:rPr lang="es-PE" sz="4000" b="1" dirty="0" err="1"/>
               <a:t>Model</a:t>
             </a:r>
             <a:r>
-              <a:rPr lang="es-PE" b="1" dirty="0"/>
+              <a:rPr lang="es-PE" sz="4000" b="1" dirty="0"/>
               <a:t> View </a:t>
             </a:r>
             <a:r>
-              <a:rPr lang="es-PE" b="1" dirty="0" err="1"/>
+              <a:rPr lang="es-PE" sz="4000" b="1" dirty="0" err="1"/>
               <a:t>Controller</a:t>
             </a:r>
             <a:r>
-              <a:rPr lang="es-PE" b="1" dirty="0"/>
+              <a:rPr lang="es-PE" sz="4000" b="1" dirty="0" smtClean="0"/>
               <a:t>)</a:t>
             </a:r>
-            <a:r>
-              <a:rPr lang="es-PE" dirty="0"/>
-              <a:t/>
-            </a:r>
-            <a:br>
-              <a:rPr lang="es-PE" dirty="0"/>
-            </a:br>
             <a:endParaRPr lang="es-PE" dirty="0"/>
           </a:p>
         </p:txBody>
@@ -16620,8 +16650,8 @@
         </p:blipFill>
         <p:spPr bwMode="auto">
           <a:xfrm>
-            <a:off x="1350690" y="1943857"/>
-            <a:ext cx="9174410" cy="1597198"/>
+            <a:off x="1043608" y="2492896"/>
+            <a:ext cx="10185233" cy="1773175"/>
           </a:xfrm>
           <a:prstGeom prst="rect">
             <a:avLst/>
@@ -16682,6 +16712,792 @@
 </file>
 
 <file path=ppt/slides/slide41.xml><?xml version="1.0" encoding="utf-8"?>
+<p:sld xmlns:a="http://schemas.openxmlformats.org/drawingml/2006/main" xmlns:r="http://schemas.openxmlformats.org/officeDocument/2006/relationships" xmlns:p="http://schemas.openxmlformats.org/presentationml/2006/main">
+  <p:cSld>
+    <p:spTree>
+      <p:nvGrpSpPr>
+        <p:cNvPr id="1" name=""/>
+        <p:cNvGrpSpPr/>
+        <p:nvPr/>
+      </p:nvGrpSpPr>
+      <p:grpSpPr>
+        <a:xfrm>
+          <a:off x="0" y="0"/>
+          <a:ext cx="0" cy="0"/>
+          <a:chOff x="0" y="0"/>
+          <a:chExt cx="0" cy="0"/>
+        </a:xfrm>
+      </p:grpSpPr>
+      <p:sp>
+        <p:nvSpPr>
+          <p:cNvPr id="2" name="1 Título"/>
+          <p:cNvSpPr>
+            <a:spLocks noGrp="1"/>
+          </p:cNvSpPr>
+          <p:nvPr>
+            <p:ph type="title"/>
+          </p:nvPr>
+        </p:nvSpPr>
+        <p:spPr/>
+        <p:txBody>
+          <a:bodyPr/>
+          <a:lstStyle/>
+          <a:p>
+            <a:r>
+              <a:rPr lang="es-ES" dirty="0" smtClean="0"/>
+              <a:t>Framework </a:t>
+            </a:r>
+            <a:r>
+              <a:rPr lang="es-ES" dirty="0" err="1" smtClean="0"/>
+              <a:t>eFaps</a:t>
+            </a:r>
+            <a:endParaRPr lang="es-ES" dirty="0"/>
+          </a:p>
+        </p:txBody>
+      </p:sp>
+      <p:graphicFrame>
+        <p:nvGraphicFramePr>
+          <p:cNvPr id="4" name="3 Marcador de contenido"/>
+          <p:cNvGraphicFramePr>
+            <a:graphicFrameLocks noGrp="1"/>
+          </p:cNvGraphicFramePr>
+          <p:nvPr>
+            <p:ph idx="1"/>
+            <p:extLst>
+              <p:ext uri="{D42A27DB-BD31-4B8C-83A1-F6EECF244321}">
+                <p14:modId xmlns:p14="http://schemas.microsoft.com/office/powerpoint/2010/main" val="261740253"/>
+              </p:ext>
+            </p:extLst>
+          </p:nvPr>
+        </p:nvGraphicFramePr>
+        <p:xfrm>
+          <a:off x="827584" y="2296319"/>
+          <a:ext cx="7467600" cy="3404792"/>
+        </p:xfrm>
+        <a:graphic>
+          <a:graphicData uri="http://schemas.openxmlformats.org/drawingml/2006/table">
+            <a:tbl>
+              <a:tblPr/>
+              <a:tblGrid>
+                <a:gridCol w="1866900"/>
+                <a:gridCol w="1866900"/>
+                <a:gridCol w="1866900"/>
+                <a:gridCol w="1866900"/>
+              </a:tblGrid>
+              <a:tr h="3404792">
+                <a:tc>
+                  <a:txBody>
+                    <a:bodyPr/>
+                    <a:lstStyle/>
+                    <a:p>
+                      <a:pPr algn="ctr"/>
+                      <a:r>
+                        <a:rPr lang="es-ES" b="1" dirty="0">
+                          <a:effectLst/>
+                        </a:rPr>
+                        <a:t>LINUX SERVER</a:t>
+                      </a:r>
+                      <a:endParaRPr lang="es-ES" dirty="0">
+                        <a:effectLst/>
+                      </a:endParaRPr>
+                    </a:p>
+                  </a:txBody>
+                  <a:tcPr>
+                    <a:lnL>
+                      <a:noFill/>
+                    </a:lnL>
+                    <a:lnR>
+                      <a:noFill/>
+                    </a:lnR>
+                    <a:lnT>
+                      <a:noFill/>
+                    </a:lnT>
+                    <a:lnB>
+                      <a:noFill/>
+                    </a:lnB>
+                  </a:tcPr>
+                </a:tc>
+                <a:tc>
+                  <a:txBody>
+                    <a:bodyPr/>
+                    <a:lstStyle/>
+                    <a:p>
+                      <a:pPr algn="ctr"/>
+                      <a:r>
+                        <a:rPr lang="es-ES" b="1" dirty="0">
+                          <a:effectLst/>
+                        </a:rPr>
+                        <a:t>POSTGRESQL DATABASE</a:t>
+                      </a:r>
+                      <a:endParaRPr lang="es-ES" dirty="0">
+                        <a:effectLst/>
+                      </a:endParaRPr>
+                    </a:p>
+                  </a:txBody>
+                  <a:tcPr>
+                    <a:lnL>
+                      <a:noFill/>
+                    </a:lnL>
+                    <a:lnR>
+                      <a:noFill/>
+                    </a:lnR>
+                    <a:lnT>
+                      <a:noFill/>
+                    </a:lnT>
+                    <a:lnB>
+                      <a:noFill/>
+                    </a:lnB>
+                  </a:tcPr>
+                </a:tc>
+                <a:tc>
+                  <a:txBody>
+                    <a:bodyPr/>
+                    <a:lstStyle/>
+                    <a:p>
+                      <a:pPr algn="ctr"/>
+                      <a:r>
+                        <a:rPr lang="es-ES" b="1" dirty="0">
+                          <a:effectLst/>
+                        </a:rPr>
+                        <a:t>JETTY/JBOSS APPS </a:t>
+                      </a:r>
+                      <a:r>
+                        <a:rPr lang="es-ES" b="1" dirty="0" smtClean="0">
+                          <a:effectLst/>
+                        </a:rPr>
+                        <a:t>SERVER</a:t>
+                      </a:r>
+                      <a:endParaRPr lang="es-ES" dirty="0">
+                        <a:effectLst/>
+                      </a:endParaRPr>
+                    </a:p>
+                  </a:txBody>
+                  <a:tcPr>
+                    <a:lnL>
+                      <a:noFill/>
+                    </a:lnL>
+                    <a:lnR>
+                      <a:noFill/>
+                    </a:lnR>
+                    <a:lnT>
+                      <a:noFill/>
+                    </a:lnT>
+                    <a:lnB>
+                      <a:noFill/>
+                    </a:lnB>
+                  </a:tcPr>
+                </a:tc>
+                <a:tc>
+                  <a:txBody>
+                    <a:bodyPr/>
+                    <a:lstStyle/>
+                    <a:p>
+                      <a:pPr algn="ctr"/>
+                      <a:r>
+                        <a:rPr lang="es-ES" b="1" dirty="0">
+                          <a:effectLst/>
+                        </a:rPr>
+                        <a:t>JAVA LANGUAJE</a:t>
+                      </a:r>
+                      <a:endParaRPr lang="es-ES" dirty="0">
+                        <a:effectLst/>
+                      </a:endParaRPr>
+                    </a:p>
+                  </a:txBody>
+                  <a:tcPr>
+                    <a:lnL>
+                      <a:noFill/>
+                    </a:lnL>
+                    <a:lnR>
+                      <a:noFill/>
+                    </a:lnR>
+                    <a:lnT>
+                      <a:noFill/>
+                    </a:lnT>
+                    <a:lnB>
+                      <a:noFill/>
+                    </a:lnB>
+                  </a:tcPr>
+                </a:tc>
+              </a:tr>
+            </a:tbl>
+          </a:graphicData>
+        </a:graphic>
+      </p:graphicFrame>
+      <p:pic>
+        <p:nvPicPr>
+          <p:cNvPr id="2051" name="Picture 3" descr="Libre ERP"/>
+          <p:cNvPicPr>
+            <a:picLocks noChangeAspect="1" noChangeArrowheads="1"/>
+          </p:cNvPicPr>
+          <p:nvPr/>
+        </p:nvPicPr>
+        <p:blipFill>
+          <a:blip r:embed="rId2" cstate="print">
+            <a:extLst>
+              <a:ext uri="{28A0092B-C50C-407E-A947-70E740481C1C}">
+                <a14:useLocalDpi xmlns:a14="http://schemas.microsoft.com/office/drawing/2010/main" val="0"/>
+              </a:ext>
+            </a:extLst>
+          </a:blip>
+          <a:srcRect/>
+          <a:stretch>
+            <a:fillRect/>
+          </a:stretch>
+        </p:blipFill>
+        <p:spPr bwMode="auto">
+          <a:xfrm>
+            <a:off x="3191694" y="3331965"/>
+            <a:ext cx="1143000" cy="1143000"/>
+          </a:xfrm>
+          <a:prstGeom prst="rect">
+            <a:avLst/>
+          </a:prstGeom>
+          <a:noFill/>
+          <a:extLst>
+            <a:ext uri="{909E8E84-426E-40DD-AFC4-6F175D3DCCD1}">
+              <a14:hiddenFill xmlns:a14="http://schemas.microsoft.com/office/drawing/2010/main">
+                <a:solidFill>
+                  <a:srgbClr val="FFFFFF"/>
+                </a:solidFill>
+              </a14:hiddenFill>
+            </a:ext>
+          </a:extLst>
+        </p:spPr>
+      </p:pic>
+      <p:pic>
+        <p:nvPicPr>
+          <p:cNvPr id="2052" name="Picture 4" descr="Libre ERP"/>
+          <p:cNvPicPr>
+            <a:picLocks noChangeAspect="1" noChangeArrowheads="1"/>
+          </p:cNvPicPr>
+          <p:nvPr/>
+        </p:nvPicPr>
+        <p:blipFill>
+          <a:blip r:embed="rId3">
+            <a:extLst>
+              <a:ext uri="{28A0092B-C50C-407E-A947-70E740481C1C}">
+                <a14:useLocalDpi xmlns:a14="http://schemas.microsoft.com/office/drawing/2010/main" val="0"/>
+              </a:ext>
+            </a:extLst>
+          </a:blip>
+          <a:srcRect/>
+          <a:stretch>
+            <a:fillRect/>
+          </a:stretch>
+        </p:blipFill>
+        <p:spPr bwMode="auto">
+          <a:xfrm>
+            <a:off x="5276478" y="4189215"/>
+            <a:ext cx="952500" cy="571500"/>
+          </a:xfrm>
+          <a:prstGeom prst="rect">
+            <a:avLst/>
+          </a:prstGeom>
+          <a:noFill/>
+          <a:extLst>
+            <a:ext uri="{909E8E84-426E-40DD-AFC4-6F175D3DCCD1}">
+              <a14:hiddenFill xmlns:a14="http://schemas.microsoft.com/office/drawing/2010/main">
+                <a:solidFill>
+                  <a:srgbClr val="FFFFFF"/>
+                </a:solidFill>
+              </a14:hiddenFill>
+            </a:ext>
+          </a:extLst>
+        </p:spPr>
+      </p:pic>
+      <p:pic>
+        <p:nvPicPr>
+          <p:cNvPr id="2053" name="Picture 5" descr="Libre ERP"/>
+          <p:cNvPicPr>
+            <a:picLocks noChangeAspect="1" noChangeArrowheads="1"/>
+          </p:cNvPicPr>
+          <p:nvPr/>
+        </p:nvPicPr>
+        <p:blipFill>
+          <a:blip r:embed="rId4" cstate="print">
+            <a:extLst>
+              <a:ext uri="{28A0092B-C50C-407E-A947-70E740481C1C}">
+                <a14:useLocalDpi xmlns:a14="http://schemas.microsoft.com/office/drawing/2010/main" val="0"/>
+              </a:ext>
+            </a:extLst>
+          </a:blip>
+          <a:srcRect/>
+          <a:stretch>
+            <a:fillRect/>
+          </a:stretch>
+        </p:blipFill>
+        <p:spPr bwMode="auto">
+          <a:xfrm>
+            <a:off x="5204470" y="3331965"/>
+            <a:ext cx="952500" cy="571500"/>
+          </a:xfrm>
+          <a:prstGeom prst="rect">
+            <a:avLst/>
+          </a:prstGeom>
+          <a:noFill/>
+          <a:extLst>
+            <a:ext uri="{909E8E84-426E-40DD-AFC4-6F175D3DCCD1}">
+              <a14:hiddenFill xmlns:a14="http://schemas.microsoft.com/office/drawing/2010/main">
+                <a:solidFill>
+                  <a:srgbClr val="FFFFFF"/>
+                </a:solidFill>
+              </a14:hiddenFill>
+            </a:ext>
+          </a:extLst>
+        </p:spPr>
+      </p:pic>
+      <p:pic>
+        <p:nvPicPr>
+          <p:cNvPr id="2054" name="Picture 6" descr="Libre ERP"/>
+          <p:cNvPicPr>
+            <a:picLocks noChangeAspect="1" noChangeArrowheads="1"/>
+          </p:cNvPicPr>
+          <p:nvPr/>
+        </p:nvPicPr>
+        <p:blipFill>
+          <a:blip r:embed="rId5" cstate="print">
+            <a:extLst>
+              <a:ext uri="{28A0092B-C50C-407E-A947-70E740481C1C}">
+                <a14:useLocalDpi xmlns:a14="http://schemas.microsoft.com/office/drawing/2010/main" val="0"/>
+              </a:ext>
+            </a:extLst>
+          </a:blip>
+          <a:srcRect/>
+          <a:stretch>
+            <a:fillRect/>
+          </a:stretch>
+        </p:blipFill>
+        <p:spPr bwMode="auto">
+          <a:xfrm>
+            <a:off x="6906344" y="3331965"/>
+            <a:ext cx="762000" cy="1143000"/>
+          </a:xfrm>
+          <a:prstGeom prst="rect">
+            <a:avLst/>
+          </a:prstGeom>
+          <a:noFill/>
+          <a:extLst>
+            <a:ext uri="{909E8E84-426E-40DD-AFC4-6F175D3DCCD1}">
+              <a14:hiddenFill xmlns:a14="http://schemas.microsoft.com/office/drawing/2010/main">
+                <a:solidFill>
+                  <a:srgbClr val="FFFFFF"/>
+                </a:solidFill>
+              </a14:hiddenFill>
+            </a:ext>
+          </a:extLst>
+        </p:spPr>
+      </p:pic>
+      <p:pic>
+        <p:nvPicPr>
+          <p:cNvPr id="2050" name="Picture 2" descr="Libre ERP"/>
+          <p:cNvPicPr>
+            <a:picLocks noChangeAspect="1" noChangeArrowheads="1"/>
+          </p:cNvPicPr>
+          <p:nvPr/>
+        </p:nvPicPr>
+        <p:blipFill>
+          <a:blip r:embed="rId6" cstate="print">
+            <a:extLst>
+              <a:ext uri="{28A0092B-C50C-407E-A947-70E740481C1C}">
+                <a14:useLocalDpi xmlns:a14="http://schemas.microsoft.com/office/drawing/2010/main" val="0"/>
+              </a:ext>
+            </a:extLst>
+          </a:blip>
+          <a:srcRect/>
+          <a:stretch>
+            <a:fillRect/>
+          </a:stretch>
+        </p:blipFill>
+        <p:spPr bwMode="auto">
+          <a:xfrm>
+            <a:off x="1244030" y="3331965"/>
+            <a:ext cx="952500" cy="1333500"/>
+          </a:xfrm>
+          <a:prstGeom prst="rect">
+            <a:avLst/>
+          </a:prstGeom>
+          <a:noFill/>
+          <a:extLst>
+            <a:ext uri="{909E8E84-426E-40DD-AFC4-6F175D3DCCD1}">
+              <a14:hiddenFill xmlns:a14="http://schemas.microsoft.com/office/drawing/2010/main">
+                <a:solidFill>
+                  <a:srgbClr val="FFFFFF"/>
+                </a:solidFill>
+              </a14:hiddenFill>
+            </a:ext>
+          </a:extLst>
+        </p:spPr>
+      </p:pic>
+    </p:spTree>
+    <p:extLst>
+      <p:ext uri="{BB962C8B-B14F-4D97-AF65-F5344CB8AC3E}">
+        <p14:creationId xmlns:p14="http://schemas.microsoft.com/office/powerpoint/2010/main" val="3307442689"/>
+      </p:ext>
+    </p:extLst>
+  </p:cSld>
+  <p:clrMapOvr>
+    <a:masterClrMapping/>
+  </p:clrMapOvr>
+</p:sld>
+</file>
+
+<file path=ppt/slides/slide42.xml><?xml version="1.0" encoding="utf-8"?>
+<p:sld xmlns:a="http://schemas.openxmlformats.org/drawingml/2006/main" xmlns:r="http://schemas.openxmlformats.org/officeDocument/2006/relationships" xmlns:p="http://schemas.openxmlformats.org/presentationml/2006/main">
+  <p:cSld>
+    <p:spTree>
+      <p:nvGrpSpPr>
+        <p:cNvPr id="1" name=""/>
+        <p:cNvGrpSpPr/>
+        <p:nvPr/>
+      </p:nvGrpSpPr>
+      <p:grpSpPr>
+        <a:xfrm>
+          <a:off x="0" y="0"/>
+          <a:ext cx="0" cy="0"/>
+          <a:chOff x="0" y="0"/>
+          <a:chExt cx="0" cy="0"/>
+        </a:xfrm>
+      </p:grpSpPr>
+      <p:sp>
+        <p:nvSpPr>
+          <p:cNvPr id="2" name="1 Título"/>
+          <p:cNvSpPr>
+            <a:spLocks noGrp="1"/>
+          </p:cNvSpPr>
+          <p:nvPr>
+            <p:ph type="title"/>
+          </p:nvPr>
+        </p:nvSpPr>
+        <p:spPr/>
+        <p:txBody>
+          <a:bodyPr/>
+          <a:lstStyle/>
+          <a:p>
+            <a:r>
+              <a:rPr lang="es-ES" dirty="0" smtClean="0"/>
+              <a:t>Uso de XML</a:t>
+            </a:r>
+            <a:endParaRPr lang="es-ES" dirty="0"/>
+          </a:p>
+        </p:txBody>
+      </p:sp>
+      <p:sp>
+        <p:nvSpPr>
+          <p:cNvPr id="3" name="2 Marcador de contenido"/>
+          <p:cNvSpPr>
+            <a:spLocks noGrp="1"/>
+          </p:cNvSpPr>
+          <p:nvPr>
+            <p:ph idx="1"/>
+          </p:nvPr>
+        </p:nvSpPr>
+        <p:spPr/>
+        <p:txBody>
+          <a:bodyPr>
+            <a:normAutofit fontScale="47500" lnSpcReduction="20000"/>
+          </a:bodyPr>
+          <a:lstStyle/>
+          <a:p>
+            <a:r>
+              <a:rPr lang="en-US" dirty="0"/>
+              <a:t>&lt;</a:t>
+            </a:r>
+            <a:r>
+              <a:rPr lang="en-US" dirty="0" err="1"/>
+              <a:t>datamodel</a:t>
+            </a:r>
+            <a:r>
+              <a:rPr lang="en-US" dirty="0"/>
+              <a:t>-type  </a:t>
+            </a:r>
+            <a:r>
+              <a:rPr lang="en-US" dirty="0" err="1"/>
+              <a:t>xmlns</a:t>
+            </a:r>
+            <a:r>
+              <a:rPr lang="en-US" dirty="0"/>
+              <a:t>="http://www.efaps.org/xsd"</a:t>
+            </a:r>
+            <a:br>
+              <a:rPr lang="en-US" dirty="0"/>
+            </a:br>
+            <a:r>
+              <a:rPr lang="en-US" dirty="0"/>
+              <a:t>                 </a:t>
+            </a:r>
+            <a:r>
+              <a:rPr lang="en-US" dirty="0" err="1"/>
+              <a:t>xmlns:xsi</a:t>
+            </a:r>
+            <a:r>
+              <a:rPr lang="en-US" dirty="0"/>
+              <a:t>="http://www.w3.org/2001/XMLSchema-instance"</a:t>
+            </a:r>
+            <a:br>
+              <a:rPr lang="en-US" dirty="0"/>
+            </a:br>
+            <a:r>
+              <a:rPr lang="en-US" dirty="0"/>
+              <a:t>                 </a:t>
+            </a:r>
+            <a:r>
+              <a:rPr lang="en-US" dirty="0" err="1"/>
+              <a:t>xsi:schemaLocation</a:t>
+            </a:r>
+            <a:r>
+              <a:rPr lang="en-US" dirty="0"/>
+              <a:t>="http://www.efaps.org/xsd http://www.efaps.org/xsd/eFaps_1.0.xsd"&gt;</a:t>
+            </a:r>
+            <a:br>
+              <a:rPr lang="en-US" dirty="0"/>
+            </a:br>
+            <a:r>
+              <a:rPr lang="en-US" dirty="0"/>
+              <a:t>  &lt;</a:t>
+            </a:r>
+            <a:r>
+              <a:rPr lang="en-US" dirty="0" err="1"/>
+              <a:t>uuid</a:t>
+            </a:r>
+            <a:r>
+              <a:rPr lang="en-US" dirty="0"/>
+              <a:t>&gt;0a67eae7-b31f-4bed-bb5e-d0c962b89023&lt;/</a:t>
+            </a:r>
+            <a:r>
+              <a:rPr lang="en-US" dirty="0" err="1"/>
+              <a:t>uuid</a:t>
+            </a:r>
+            <a:r>
+              <a:rPr lang="en-US" dirty="0"/>
+              <a:t>&gt;</a:t>
+            </a:r>
+            <a:br>
+              <a:rPr lang="en-US" dirty="0"/>
+            </a:br>
+            <a:r>
+              <a:rPr lang="en-US" dirty="0"/>
+              <a:t>  &lt;</a:t>
+            </a:r>
+            <a:r>
+              <a:rPr lang="en-US" dirty="0" smtClean="0"/>
+              <a:t>file-application&gt;MLM&lt;/</a:t>
+            </a:r>
+            <a:r>
+              <a:rPr lang="en-US" dirty="0"/>
+              <a:t>file-application&gt;</a:t>
+            </a:r>
+            <a:br>
+              <a:rPr lang="en-US" dirty="0"/>
+            </a:br>
+            <a:r>
+              <a:rPr lang="en-US" dirty="0"/>
+              <a:t>  &lt;file-revision&gt;$Rev: 2509 $&lt;/file-revision&gt;</a:t>
+            </a:r>
+            <a:br>
+              <a:rPr lang="en-US" dirty="0"/>
+            </a:br>
+            <a:r>
+              <a:rPr lang="en-US" dirty="0"/>
+              <a:t/>
+            </a:r>
+            <a:br>
+              <a:rPr lang="en-US" dirty="0"/>
+            </a:br>
+            <a:r>
+              <a:rPr lang="en-US" dirty="0"/>
+              <a:t>  &lt;definition&gt;</a:t>
+            </a:r>
+            <a:br>
+              <a:rPr lang="en-US" dirty="0"/>
+            </a:br>
+            <a:r>
+              <a:rPr lang="en-US" dirty="0"/>
+              <a:t>    &lt;version-expression&gt;(version==4) || (version==latest)&lt;/version-expression&gt;</a:t>
+            </a:r>
+            <a:br>
+              <a:rPr lang="en-US" dirty="0"/>
+            </a:br>
+            <a:r>
+              <a:rPr lang="en-US" dirty="0"/>
+              <a:t>    &lt;name&gt;</a:t>
+            </a:r>
+            <a:r>
+              <a:rPr lang="en-US" dirty="0" err="1"/>
+              <a:t>Contacts_ClassClient</a:t>
+            </a:r>
+            <a:r>
+              <a:rPr lang="en-US" dirty="0"/>
+              <a:t>&lt;/name&gt;</a:t>
+            </a:r>
+            <a:br>
+              <a:rPr lang="en-US" dirty="0"/>
+            </a:br>
+            <a:r>
+              <a:rPr lang="en-US" dirty="0"/>
+              <a:t/>
+            </a:r>
+            <a:br>
+              <a:rPr lang="en-US" dirty="0"/>
+            </a:br>
+            <a:r>
+              <a:rPr lang="en-US" dirty="0"/>
+              <a:t>    &lt;purpose&gt;CLASSIFICATION&lt;/purpose&gt;</a:t>
+            </a:r>
+            <a:br>
+              <a:rPr lang="en-US" dirty="0"/>
+            </a:br>
+            <a:r>
+              <a:rPr lang="en-US" dirty="0"/>
+              <a:t/>
+            </a:r>
+            <a:br>
+              <a:rPr lang="en-US" dirty="0"/>
+            </a:br>
+            <a:r>
+              <a:rPr lang="en-US" dirty="0"/>
+              <a:t>    &lt;attribute&gt;</a:t>
+            </a:r>
+            <a:br>
+              <a:rPr lang="en-US" dirty="0"/>
+            </a:br>
+            <a:r>
+              <a:rPr lang="en-US" dirty="0"/>
+              <a:t>      &lt;name&gt;OID&lt;/name&gt;</a:t>
+            </a:r>
+            <a:br>
+              <a:rPr lang="en-US" dirty="0"/>
+            </a:br>
+            <a:r>
+              <a:rPr lang="en-US" dirty="0"/>
+              <a:t>      &lt;type&gt;OID&lt;/type&gt;</a:t>
+            </a:r>
+            <a:br>
+              <a:rPr lang="en-US" dirty="0"/>
+            </a:br>
+            <a:r>
+              <a:rPr lang="en-US" dirty="0"/>
+              <a:t>      &lt;</a:t>
+            </a:r>
+            <a:r>
+              <a:rPr lang="en-US" dirty="0" err="1"/>
+              <a:t>sqltable</a:t>
+            </a:r>
+            <a:r>
+              <a:rPr lang="en-US" dirty="0"/>
+              <a:t>&gt;</a:t>
+            </a:r>
+            <a:r>
+              <a:rPr lang="en-US" dirty="0" err="1"/>
+              <a:t>Contacts_ClassSQLTable</a:t>
+            </a:r>
+            <a:r>
+              <a:rPr lang="en-US" dirty="0"/>
+              <a:t>&lt;/</a:t>
+            </a:r>
+            <a:r>
+              <a:rPr lang="en-US" dirty="0" err="1"/>
+              <a:t>sqltable</a:t>
+            </a:r>
+            <a:r>
+              <a:rPr lang="en-US" dirty="0"/>
+              <a:t>&gt;</a:t>
+            </a:r>
+            <a:br>
+              <a:rPr lang="en-US" dirty="0"/>
+            </a:br>
+            <a:r>
+              <a:rPr lang="en-US" dirty="0"/>
+              <a:t>      &lt;</a:t>
+            </a:r>
+            <a:r>
+              <a:rPr lang="en-US" dirty="0" err="1"/>
+              <a:t>sqlcolumn</a:t>
+            </a:r>
+            <a:r>
+              <a:rPr lang="en-US" dirty="0"/>
+              <a:t>&gt;ID&lt;/</a:t>
+            </a:r>
+            <a:r>
+              <a:rPr lang="en-US" dirty="0" err="1"/>
+              <a:t>sqlcolumn</a:t>
+            </a:r>
+            <a:r>
+              <a:rPr lang="en-US" dirty="0"/>
+              <a:t>&gt;</a:t>
+            </a:r>
+            <a:br>
+              <a:rPr lang="en-US" dirty="0"/>
+            </a:br>
+            <a:r>
+              <a:rPr lang="en-US" dirty="0"/>
+              <a:t>    &lt;/attribute&gt;</a:t>
+            </a:r>
+            <a:br>
+              <a:rPr lang="en-US" dirty="0"/>
+            </a:br>
+            <a:r>
+              <a:rPr lang="en-US" dirty="0"/>
+              <a:t/>
+            </a:r>
+            <a:br>
+              <a:rPr lang="en-US" dirty="0"/>
+            </a:br>
+            <a:r>
+              <a:rPr lang="en-US" dirty="0"/>
+              <a:t>    &lt;classifies type="</a:t>
+            </a:r>
+            <a:r>
+              <a:rPr lang="en-US" dirty="0" err="1"/>
+              <a:t>Contacts_Contact</a:t>
+            </a:r>
+            <a:r>
+              <a:rPr lang="en-US" dirty="0"/>
+              <a:t>" relation="Contacts_Contact2Class"/&gt;</a:t>
+            </a:r>
+            <a:br>
+              <a:rPr lang="en-US" dirty="0"/>
+            </a:br>
+            <a:r>
+              <a:rPr lang="en-US" dirty="0"/>
+              <a:t>  &lt;/definition&gt;</a:t>
+            </a:r>
+            <a:br>
+              <a:rPr lang="en-US" dirty="0"/>
+            </a:br>
+            <a:r>
+              <a:rPr lang="en-US" dirty="0"/>
+              <a:t>&lt;/</a:t>
+            </a:r>
+            <a:r>
+              <a:rPr lang="en-US" dirty="0" err="1"/>
+              <a:t>datamodel</a:t>
+            </a:r>
+            <a:r>
+              <a:rPr lang="en-US" dirty="0"/>
+              <a:t>-type&gt;</a:t>
+            </a:r>
+            <a:endParaRPr lang="es-ES" dirty="0"/>
+          </a:p>
+          <a:p>
+            <a:endParaRPr lang="es-ES" dirty="0"/>
+          </a:p>
+        </p:txBody>
+      </p:sp>
+    </p:spTree>
+    <p:extLst>
+      <p:ext uri="{BB962C8B-B14F-4D97-AF65-F5344CB8AC3E}">
+        <p14:creationId xmlns:p14="http://schemas.microsoft.com/office/powerpoint/2010/main" val="1279313916"/>
+      </p:ext>
+    </p:extLst>
+  </p:cSld>
+  <p:clrMapOvr>
+    <a:masterClrMapping/>
+  </p:clrMapOvr>
+</p:sld>
+</file>
+
+<file path=ppt/slides/slide43.xml><?xml version="1.0" encoding="utf-8"?>
 <p:sld xmlns:a="http://schemas.openxmlformats.org/drawingml/2006/main" xmlns:r="http://schemas.openxmlformats.org/officeDocument/2006/relationships" xmlns:p="http://schemas.openxmlformats.org/presentationml/2006/main">
   <p:cSld>
     <p:spTree>
@@ -16759,7 +17575,7 @@
 </p:sld>
 </file>
 
-<file path=ppt/slides/slide42.xml><?xml version="1.0" encoding="utf-8"?>
+<file path=ppt/slides/slide44.xml><?xml version="1.0" encoding="utf-8"?>
 <p:sld xmlns:a="http://schemas.openxmlformats.org/drawingml/2006/main" xmlns:r="http://schemas.openxmlformats.org/officeDocument/2006/relationships" xmlns:p="http://schemas.openxmlformats.org/presentationml/2006/main">
   <p:cSld>
     <p:spTree>
@@ -17062,7 +17878,7 @@
 </p:sld>
 </file>
 
-<file path=ppt/slides/slide43.xml><?xml version="1.0" encoding="utf-8"?>
+<file path=ppt/slides/slide45.xml><?xml version="1.0" encoding="utf-8"?>
 <p:sld xmlns:a="http://schemas.openxmlformats.org/drawingml/2006/main" xmlns:r="http://schemas.openxmlformats.org/officeDocument/2006/relationships" xmlns:p="http://schemas.openxmlformats.org/presentationml/2006/main">
   <p:cSld>
     <p:spTree>
@@ -17092,17 +17908,14 @@
         <p:spPr/>
         <p:txBody>
           <a:bodyPr>
-            <a:normAutofit fontScale="90000"/>
+            <a:normAutofit/>
           </a:bodyPr>
           <a:lstStyle/>
           <a:p>
             <a:r>
-              <a:rPr lang="es-PE" b="1" dirty="0"/>
+              <a:rPr lang="es-PE" dirty="0" smtClean="0"/>
               <a:t>Conclusiones</a:t>
             </a:r>
-            <a:br>
-              <a:rPr lang="es-PE" b="1" dirty="0"/>
-            </a:br>
             <a:endParaRPr lang="es-PE" dirty="0"/>
           </a:p>
         </p:txBody>
@@ -17119,65 +17932,71 @@
         </p:nvSpPr>
         <p:spPr>
           <a:xfrm>
-            <a:off x="467544" y="1124744"/>
-            <a:ext cx="7467600" cy="4525963"/>
+            <a:off x="467544" y="1556792"/>
+            <a:ext cx="7848872" cy="4680520"/>
           </a:xfrm>
         </p:spPr>
         <p:txBody>
           <a:bodyPr>
-            <a:normAutofit fontScale="47500" lnSpcReduction="20000"/>
+            <a:normAutofit fontScale="55000" lnSpcReduction="20000"/>
           </a:bodyPr>
           <a:lstStyle/>
           <a:p>
+            <a:pPr marL="36576" indent="0">
+              <a:buNone/>
+            </a:pPr>
+            <a:r>
+              <a:rPr lang="es-ES" dirty="0" smtClean="0"/>
+              <a:t>Después </a:t>
+            </a:r>
+            <a:r>
+              <a:rPr lang="es-ES" dirty="0"/>
+              <a:t>del trabajo realizado se ha concluido lo siguiente:</a:t>
+            </a:r>
+            <a:endParaRPr lang="es-PE" dirty="0"/>
+          </a:p>
+          <a:p>
+            <a:pPr lvl="0"/>
+            <a:r>
+              <a:rPr lang="es-ES" dirty="0"/>
+              <a:t>El análisis realizado a partir de los requerimientos del usuario final (Municipalidad de Lima), nos permitió incrementar nuestros conocimientos acerca de posibilidades de negocios y la variabilidad de los mismos.</a:t>
+            </a:r>
+          </a:p>
+          <a:p>
+            <a:pPr lvl="0"/>
+            <a:r>
+              <a:rPr lang="es-ES" dirty="0"/>
+              <a:t>El sistema está diseñado en un principio para el manejo de proyectos en una municipalidad pero es fácilmente adaptable a las necesidades de otros negocios</a:t>
+            </a:r>
+            <a:r>
+              <a:rPr lang="es-ES" dirty="0" smtClean="0"/>
+              <a:t>.</a:t>
+            </a:r>
+          </a:p>
+          <a:p>
+            <a:pPr lvl="0"/>
+            <a:r>
+              <a:rPr lang="es-ES" dirty="0"/>
+              <a:t>El administrar un proyecto adecuadamente permitirá al usuario culminar el proyecto satisfactoriamente y mediante el módulo de Gestión de Documentos por proyecto, generar una Base de Conocimiento utilizable para proyectos futuros.</a:t>
+            </a:r>
+          </a:p>
+          <a:p>
+            <a:pPr lvl="0"/>
+            <a:r>
+              <a:rPr lang="es-ES" dirty="0"/>
+              <a:t>El fin de tener una Oficina de Proyectos se centra en poder resolver fácilmente los problemas que puedan ir apareciendo en el transcurso del proyecto a través de los Expertos evitando así los fracasos y pérdidas de dinero por no poseer el conocimiento para resolver un problema.</a:t>
+            </a:r>
+          </a:p>
+          <a:p>
+            <a:r>
+              <a:rPr lang="es-ES" dirty="0"/>
+              <a:t>La metodología ágil permitió llevar el control de todo el ciclo de vida del proyecto de manera organizada permitiendo desarrollar los requerimientos más relevantes sin presentar mayores retrasos y sobre todo cumplir con los atributos de calidad planteados</a:t>
+            </a:r>
+            <a:r>
+              <a:rPr lang="es-ES" dirty="0" smtClean="0"/>
+              <a:t>.</a:t>
+            </a:r>
             <a:endParaRPr lang="es-PE" b="1" dirty="0"/>
-          </a:p>
-          <a:p>
-            <a:endParaRPr lang="es-PE" b="1" dirty="0"/>
-          </a:p>
-          <a:p>
-            <a:r>
-              <a:rPr lang="es-ES" dirty="0"/>
-              <a:t>Después del trabajo realizado se ha concluido lo siguiente:</a:t>
-            </a:r>
-            <a:endParaRPr lang="es-PE" dirty="0"/>
-          </a:p>
-          <a:p>
-            <a:pPr lvl="0"/>
-            <a:r>
-              <a:rPr lang="es-ES" dirty="0"/>
-              <a:t>La metodología elegida permitió llevar el control de todo el ciclo de vida del proyecto de manera organizada permitiendo desarrollar los requerimientos más relevantes sin presentar mayores retrasos y sobre todo cumplir con los atributos de calidad planteados.</a:t>
-            </a:r>
-            <a:endParaRPr lang="es-PE" dirty="0"/>
-          </a:p>
-          <a:p>
-            <a:pPr lvl="0"/>
-            <a:r>
-              <a:rPr lang="es-ES" dirty="0"/>
-              <a:t>La inversión de tiempo en análisis y diseño redujo riesgos en el desarrollo y pérdidas de tiempo y costos, debido a que una buena definición de las funcionalidades y la aceptación del usuario del prototipo propuesto aseguran cambios mínimos y la aceptación del producto final.</a:t>
-            </a:r>
-            <a:endParaRPr lang="es-PE" dirty="0"/>
-          </a:p>
-          <a:p>
-            <a:pPr lvl="0"/>
-            <a:r>
-              <a:rPr lang="es-ES" dirty="0"/>
-              <a:t>La arquitectura elegida permitió el desarrollo del sistema de manera rápida y ordenada. Así mismo, se logró independizar la interfaz gráfica, la lógica de negocio y los datos, con ello se obtuvieron un sistema flexible y fácil de mantener. Si a futuro se requiere cambiar el motor de base de datos o el diseño de la interfaz de usuario, este cambio no originaría algún impacto en los componentes de la lógica de negocio.</a:t>
-            </a:r>
-            <a:endParaRPr lang="es-PE" dirty="0"/>
-          </a:p>
-          <a:p>
-            <a:pPr lvl="0"/>
-            <a:r>
-              <a:rPr lang="es-ES" dirty="0"/>
-              <a:t>La selección de algunas herramientas para la implementación ahorraron tiempo, pues el desarrollador ya no debe preocuparse por la configuración de archivos.</a:t>
-            </a:r>
-            <a:endParaRPr lang="es-PE" dirty="0"/>
-          </a:p>
-          <a:p>
-            <a:endParaRPr lang="es-PE" b="1" dirty="0"/>
-          </a:p>
-          <a:p>
-            <a:endParaRPr lang="es-PE" dirty="0"/>
           </a:p>
         </p:txBody>
       </p:sp>
@@ -17201,7 +18020,7 @@
 </p:sld>
 </file>
 
-<file path=ppt/slides/slide44.xml><?xml version="1.0" encoding="utf-8"?>
+<file path=ppt/slides/slide46.xml><?xml version="1.0" encoding="utf-8"?>
 <p:sld xmlns:a="http://schemas.openxmlformats.org/drawingml/2006/main" xmlns:r="http://schemas.openxmlformats.org/officeDocument/2006/relationships" xmlns:p="http://schemas.openxmlformats.org/presentationml/2006/main">
   <p:cSld>
     <p:spTree>
@@ -17254,59 +18073,50 @@
         <p:spPr/>
         <p:txBody>
           <a:bodyPr>
-            <a:normAutofit fontScale="47500" lnSpcReduction="20000"/>
+            <a:normAutofit fontScale="62500" lnSpcReduction="20000"/>
           </a:bodyPr>
           <a:lstStyle/>
           <a:p>
             <a:pPr lvl="0"/>
             <a:r>
               <a:rPr lang="es-ES" dirty="0"/>
-              <a:t>La documentación del proyecto (anexos) permiten a las personas que deseen continuar con el desarrollo del sistema, agregando funcionalidades o mejorando las existentes, hacerlo de manera fácil y adecuada. Así mismo, si el sistema pasa por una auditoría a futuro, la documentación existente servirá de apoyo para el mejor entendimiento del sistema.</a:t>
-            </a:r>
-            <a:endParaRPr lang="es-PE" dirty="0"/>
+              <a:t>La selección de herramientas de trabajo como los </a:t>
+            </a:r>
+            <a:r>
+              <a:rPr lang="es-ES" dirty="0" err="1"/>
+              <a:t>frameworks</a:t>
+            </a:r>
+            <a:r>
+              <a:rPr lang="es-ES" dirty="0"/>
+              <a:t> en especial “</a:t>
+            </a:r>
+            <a:r>
+              <a:rPr lang="es-ES" dirty="0" err="1"/>
+              <a:t>eFaps</a:t>
+            </a:r>
+            <a:r>
+              <a:rPr lang="es-ES" dirty="0"/>
+              <a:t>”, usado para la implementación, ahorraron tiempo, pues el desarrollador ya no debe preocuparse por la configuración de archivos, Base de Datos e Interfaz.</a:t>
+            </a:r>
           </a:p>
           <a:p>
             <a:pPr lvl="0"/>
             <a:r>
               <a:rPr lang="es-ES" dirty="0"/>
-              <a:t>El sistema está diseñado en un principio para el manejo de proyectos en una municipalidad pero es fácilmente adaptable a las necesidades de otros negocios.</a:t>
-            </a:r>
-            <a:endParaRPr lang="es-PE" dirty="0"/>
+              <a:t>La arquitectura del sistema permitió el desarrollo del sistema de manera rápida y ordenada. Así mismo, se logró independizar la interfaz gráfica, la lógica de negocio y los datos, con ello se obtuvieron un sistema flexible y fácil de mantener. Si a futuro se requiere cambiar el motor de base de datos o el diseño de la interfaz de usuario, este cambio no originaría algún impacto en los componentes de la lógica de negocio.</a:t>
+            </a:r>
           </a:p>
           <a:p>
             <a:pPr lvl="0"/>
             <a:r>
               <a:rPr lang="es-ES" dirty="0"/>
-              <a:t>El análisis realizado a partir de los requerimientos del usuario final (Municipalidad de Lima), nos permitió incrementar nuestros conocimientos acerca de posibilidades de negocios y la variabilidad de los mismos.</a:t>
-            </a:r>
-            <a:endParaRPr lang="es-PE" dirty="0"/>
-          </a:p>
-          <a:p>
-            <a:pPr lvl="0"/>
-            <a:r>
-              <a:rPr lang="es-ES" dirty="0"/>
-              <a:t>Así mismo, el administrar un proyecto adecuadamente permitirá al usuario culminar el proyecto satisfactoriamente y mediante la posibilidad de almacenar todo los documentos relacionados al proyecto, generar una Base de Conocimiento utilizable para proyectos futuros.</a:t>
-            </a:r>
-            <a:endParaRPr lang="es-PE" dirty="0"/>
-          </a:p>
-          <a:p>
-            <a:pPr lvl="0"/>
-            <a:r>
-              <a:rPr lang="es-ES" dirty="0"/>
-              <a:t>El fin de tener una Oficina de Proyectos se centra en poder resolver fácilmente los problemas que puedan ir apareciendo en el transcurso del proyecto a través de los Expertos evitando así los fracasos y pérdidas de dinero por no poseer el conocimiento para resolver un problema.</a:t>
-            </a:r>
-            <a:endParaRPr lang="es-PE" dirty="0"/>
-          </a:p>
-          <a:p>
-            <a:pPr lvl="0"/>
-            <a:r>
-              <a:rPr lang="es-ES" dirty="0"/>
-              <a:t>La administración de una Oficina de Proyectos no es factible para entidades pequeñas ya que acarrearía más gastos que beneficios, por el alto costo de profesionales especializados en ciertos campos; pero el administrar proyectos si es completamente necesario desde micro empresas hasta transnacionales.</a:t>
-            </a:r>
-            <a:endParaRPr lang="es-PE" dirty="0"/>
-          </a:p>
-          <a:p>
-            <a:endParaRPr lang="es-PE" dirty="0"/>
+              <a:t>La administración de una Oficina de Proyectos no es factible para entidades pequeñas ya que acarrearía más gastos que beneficios, por el alto costo de profesionales especializados en ciertos campos; pero el administrar proyectos si es completamente necesario desde micro empresas hasta transnacionales</a:t>
+            </a:r>
+            <a:r>
+              <a:rPr lang="es-ES" dirty="0" smtClean="0"/>
+              <a:t>.</a:t>
+            </a:r>
+            <a:endParaRPr lang="es-ES" dirty="0"/>
           </a:p>
         </p:txBody>
       </p:sp>
@@ -17330,7 +18140,7 @@
 </p:sld>
 </file>
 
-<file path=ppt/slides/slide45.xml><?xml version="1.0" encoding="utf-8"?>
+<file path=ppt/slides/slide47.xml><?xml version="1.0" encoding="utf-8"?>
 <p:sld xmlns:a="http://schemas.openxmlformats.org/drawingml/2006/main" xmlns:r="http://schemas.openxmlformats.org/officeDocument/2006/relationships" xmlns:p="http://schemas.openxmlformats.org/presentationml/2006/main">
   <p:cSld>
     <p:spTree>
@@ -17495,11 +18305,7 @@
           <a:p>
             <a:r>
               <a:rPr lang="es-PE" dirty="0" smtClean="0"/>
-              <a:t>Marco </a:t>
-            </a:r>
-            <a:r>
-              <a:rPr lang="es-PE" dirty="0" smtClean="0"/>
-              <a:t>REFERENCIAL</a:t>
+              <a:t>Marco REFERENCIAL</a:t>
             </a:r>
             <a:endParaRPr lang="es-PE" dirty="0"/>
           </a:p>
